--- a/00.공부 정리(최종)/04.DB/01.FastCampus_DB.pptx
+++ b/00.공부 정리(최종)/04.DB/01.FastCampus_DB.pptx
@@ -11,7 +11,14 @@
     <p:sldId id="495" r:id="rId5"/>
     <p:sldId id="428" r:id="rId6"/>
     <p:sldId id="497" r:id="rId7"/>
-    <p:sldId id="498" r:id="rId8"/>
+    <p:sldId id="499" r:id="rId8"/>
+    <p:sldId id="500" r:id="rId9"/>
+    <p:sldId id="501" r:id="rId10"/>
+    <p:sldId id="502" r:id="rId11"/>
+    <p:sldId id="503" r:id="rId12"/>
+    <p:sldId id="504" r:id="rId13"/>
+    <p:sldId id="505" r:id="rId14"/>
+    <p:sldId id="506" r:id="rId15"/>
   </p:sldIdLst>
   <p:sldSz cx="12192000" cy="6858000"/>
   <p:notesSz cx="6858000" cy="9144000"/>
@@ -121,8 +128,7 @@
 <file path=ppt/revisionInfo.xml><?xml version="1.0" encoding="utf-8"?>
 <p1510:revInfo xmlns:a="http://schemas.openxmlformats.org/drawingml/2006/main" xmlns:r="http://schemas.openxmlformats.org/officeDocument/2006/relationships" xmlns:p1510="http://schemas.microsoft.com/office/powerpoint/2015/10/main">
   <p1510:revLst>
-    <p1510:client id="{7E5ED829-D9D4-4CF2-89D6-6A0E32A7F9CD}" v="11" dt="2024-02-12T09:30:23.697"/>
-    <p1510:client id="{DC0987F7-BD44-4948-94E9-203D26FC2526}" v="6" dt="2024-02-12T09:40:19.355"/>
+    <p1510:client id="{DC0987F7-BD44-4948-94E9-203D26FC2526}" v="59" dt="2024-02-13T13:37:14.877"/>
   </p1510:revLst>
 </p1510:revInfo>
 </file>
@@ -4796,8 +4802,8 @@
   </pc:docChgLst>
   <pc:docChgLst>
     <pc:chgData name="범수 김" userId="863329ffd88cf9fc" providerId="LiveId" clId="{DC0987F7-BD44-4948-94E9-203D26FC2526}"/>
-    <pc:docChg chg="undo custSel modSld">
-      <pc:chgData name="범수 김" userId="863329ffd88cf9fc" providerId="LiveId" clId="{DC0987F7-BD44-4948-94E9-203D26FC2526}" dt="2024-02-12T09:40:34.510" v="95" actId="20577"/>
+    <pc:docChg chg="undo custSel addSld delSld modSld">
+      <pc:chgData name="범수 김" userId="863329ffd88cf9fc" providerId="LiveId" clId="{DC0987F7-BD44-4948-94E9-203D26FC2526}" dt="2024-02-13T13:37:19.486" v="673" actId="20577"/>
       <pc:docMkLst>
         <pc:docMk/>
       </pc:docMkLst>
@@ -4832,17 +4838,176 @@
         </pc:spChg>
       </pc:sldChg>
       <pc:sldChg chg="modSp mod">
-        <pc:chgData name="범수 김" userId="863329ffd88cf9fc" providerId="LiveId" clId="{DC0987F7-BD44-4948-94E9-203D26FC2526}" dt="2024-02-12T09:40:34.510" v="95" actId="20577"/>
+        <pc:chgData name="범수 김" userId="863329ffd88cf9fc" providerId="LiveId" clId="{DC0987F7-BD44-4948-94E9-203D26FC2526}" dt="2024-02-13T13:13:05.307" v="125" actId="12789"/>
         <pc:sldMkLst>
           <pc:docMk/>
           <pc:sldMk cId="3017903424" sldId="497"/>
         </pc:sldMkLst>
         <pc:spChg chg="mod">
-          <ac:chgData name="범수 김" userId="863329ffd88cf9fc" providerId="LiveId" clId="{DC0987F7-BD44-4948-94E9-203D26FC2526}" dt="2024-02-12T09:40:34.510" v="95" actId="20577"/>
+          <ac:chgData name="범수 김" userId="863329ffd88cf9fc" providerId="LiveId" clId="{DC0987F7-BD44-4948-94E9-203D26FC2526}" dt="2024-02-13T13:13:05.307" v="125" actId="12789"/>
           <ac:spMkLst>
             <pc:docMk/>
             <pc:sldMk cId="3017903424" sldId="497"/>
             <ac:spMk id="5" creationId="{7FFAE81D-B1FC-6BCF-C84B-0C4D40880953}"/>
+          </ac:spMkLst>
+        </pc:spChg>
+      </pc:sldChg>
+      <pc:sldChg chg="del">
+        <pc:chgData name="범수 김" userId="863329ffd88cf9fc" providerId="LiveId" clId="{DC0987F7-BD44-4948-94E9-203D26FC2526}" dt="2024-02-13T13:13:34.291" v="220" actId="47"/>
+        <pc:sldMkLst>
+          <pc:docMk/>
+          <pc:sldMk cId="3800990940" sldId="498"/>
+        </pc:sldMkLst>
+      </pc:sldChg>
+      <pc:sldChg chg="addSp modSp add mod">
+        <pc:chgData name="범수 김" userId="863329ffd88cf9fc" providerId="LiveId" clId="{DC0987F7-BD44-4948-94E9-203D26FC2526}" dt="2024-02-13T13:13:29.971" v="218" actId="208"/>
+        <pc:sldMkLst>
+          <pc:docMk/>
+          <pc:sldMk cId="1746309573" sldId="499"/>
+        </pc:sldMkLst>
+        <pc:spChg chg="add mod">
+          <ac:chgData name="범수 김" userId="863329ffd88cf9fc" providerId="LiveId" clId="{DC0987F7-BD44-4948-94E9-203D26FC2526}" dt="2024-02-13T13:13:29.971" v="218" actId="208"/>
+          <ac:spMkLst>
+            <pc:docMk/>
+            <pc:sldMk cId="1746309573" sldId="499"/>
+            <ac:spMk id="2" creationId="{B5CF05BF-5E6E-EF68-1EA2-1DA507F9DEB7}"/>
+          </ac:spMkLst>
+        </pc:spChg>
+        <pc:spChg chg="mod">
+          <ac:chgData name="범수 김" userId="863329ffd88cf9fc" providerId="LiveId" clId="{DC0987F7-BD44-4948-94E9-203D26FC2526}" dt="2024-02-13T13:13:11.936" v="133" actId="1076"/>
+          <ac:spMkLst>
+            <pc:docMk/>
+            <pc:sldMk cId="1746309573" sldId="499"/>
+            <ac:spMk id="5" creationId="{712970D0-D6A2-84CF-06C3-397957A043E2}"/>
+          </ac:spMkLst>
+        </pc:spChg>
+      </pc:sldChg>
+      <pc:sldChg chg="modSp add mod">
+        <pc:chgData name="범수 김" userId="863329ffd88cf9fc" providerId="LiveId" clId="{DC0987F7-BD44-4948-94E9-203D26FC2526}" dt="2024-02-13T13:13:38.696" v="230"/>
+        <pc:sldMkLst>
+          <pc:docMk/>
+          <pc:sldMk cId="3596485122" sldId="500"/>
+        </pc:sldMkLst>
+        <pc:spChg chg="mod">
+          <ac:chgData name="범수 김" userId="863329ffd88cf9fc" providerId="LiveId" clId="{DC0987F7-BD44-4948-94E9-203D26FC2526}" dt="2024-02-13T13:13:38.696" v="230"/>
+          <ac:spMkLst>
+            <pc:docMk/>
+            <pc:sldMk cId="3596485122" sldId="500"/>
+            <ac:spMk id="5" creationId="{54A3E529-9C6F-3F9F-60C7-6B60BB669C89}"/>
+          </ac:spMkLst>
+        </pc:spChg>
+      </pc:sldChg>
+      <pc:sldChg chg="addSp modSp add mod">
+        <pc:chgData name="범수 김" userId="863329ffd88cf9fc" providerId="LiveId" clId="{DC0987F7-BD44-4948-94E9-203D26FC2526}" dt="2024-02-13T13:14:04.938" v="314" actId="1076"/>
+        <pc:sldMkLst>
+          <pc:docMk/>
+          <pc:sldMk cId="3750962519" sldId="501"/>
+        </pc:sldMkLst>
+        <pc:spChg chg="add mod">
+          <ac:chgData name="범수 김" userId="863329ffd88cf9fc" providerId="LiveId" clId="{DC0987F7-BD44-4948-94E9-203D26FC2526}" dt="2024-02-13T13:14:04.938" v="314" actId="1076"/>
+          <ac:spMkLst>
+            <pc:docMk/>
+            <pc:sldMk cId="3750962519" sldId="501"/>
+            <ac:spMk id="2" creationId="{FDD6AFC5-E556-7A3A-EACB-6FC326439AE3}"/>
+          </ac:spMkLst>
+        </pc:spChg>
+        <pc:spChg chg="mod">
+          <ac:chgData name="범수 김" userId="863329ffd88cf9fc" providerId="LiveId" clId="{DC0987F7-BD44-4948-94E9-203D26FC2526}" dt="2024-02-13T13:13:44.322" v="238" actId="1076"/>
+          <ac:spMkLst>
+            <pc:docMk/>
+            <pc:sldMk cId="3750962519" sldId="501"/>
+            <ac:spMk id="5" creationId="{447C9EB8-92AB-6263-ACB5-0CF9E7763E97}"/>
+          </ac:spMkLst>
+        </pc:spChg>
+      </pc:sldChg>
+      <pc:sldChg chg="modSp add mod">
+        <pc:chgData name="범수 김" userId="863329ffd88cf9fc" providerId="LiveId" clId="{DC0987F7-BD44-4948-94E9-203D26FC2526}" dt="2024-02-13T13:14:14.817" v="337"/>
+        <pc:sldMkLst>
+          <pc:docMk/>
+          <pc:sldMk cId="1175877451" sldId="502"/>
+        </pc:sldMkLst>
+        <pc:spChg chg="mod">
+          <ac:chgData name="범수 김" userId="863329ffd88cf9fc" providerId="LiveId" clId="{DC0987F7-BD44-4948-94E9-203D26FC2526}" dt="2024-02-13T13:14:14.817" v="337"/>
+          <ac:spMkLst>
+            <pc:docMk/>
+            <pc:sldMk cId="1175877451" sldId="502"/>
+            <ac:spMk id="5" creationId="{0C8515F7-F923-101F-20CB-27CD463459B8}"/>
+          </ac:spMkLst>
+        </pc:spChg>
+      </pc:sldChg>
+      <pc:sldChg chg="addSp modSp add mod">
+        <pc:chgData name="범수 김" userId="863329ffd88cf9fc" providerId="LiveId" clId="{DC0987F7-BD44-4948-94E9-203D26FC2526}" dt="2024-02-13T13:14:55.122" v="470" actId="1076"/>
+        <pc:sldMkLst>
+          <pc:docMk/>
+          <pc:sldMk cId="2525847268" sldId="503"/>
+        </pc:sldMkLst>
+        <pc:spChg chg="add mod">
+          <ac:chgData name="범수 김" userId="863329ffd88cf9fc" providerId="LiveId" clId="{DC0987F7-BD44-4948-94E9-203D26FC2526}" dt="2024-02-13T13:14:55.122" v="470" actId="1076"/>
+          <ac:spMkLst>
+            <pc:docMk/>
+            <pc:sldMk cId="2525847268" sldId="503"/>
+            <ac:spMk id="2" creationId="{1E9AA07B-0C6D-FF1C-35E7-877F1F63C970}"/>
+          </ac:spMkLst>
+        </pc:spChg>
+        <pc:spChg chg="mod">
+          <ac:chgData name="범수 김" userId="863329ffd88cf9fc" providerId="LiveId" clId="{DC0987F7-BD44-4948-94E9-203D26FC2526}" dt="2024-02-13T13:14:20.856" v="345" actId="1076"/>
+          <ac:spMkLst>
+            <pc:docMk/>
+            <pc:sldMk cId="2525847268" sldId="503"/>
+            <ac:spMk id="5" creationId="{098CF19F-70A5-544A-E6FD-7512A1E2FEBA}"/>
+          </ac:spMkLst>
+        </pc:spChg>
+      </pc:sldChg>
+      <pc:sldChg chg="modSp add mod">
+        <pc:chgData name="범수 김" userId="863329ffd88cf9fc" providerId="LiveId" clId="{DC0987F7-BD44-4948-94E9-203D26FC2526}" dt="2024-02-13T13:17:06.767" v="508"/>
+        <pc:sldMkLst>
+          <pc:docMk/>
+          <pc:sldMk cId="2420699619" sldId="504"/>
+        </pc:sldMkLst>
+        <pc:spChg chg="mod">
+          <ac:chgData name="범수 김" userId="863329ffd88cf9fc" providerId="LiveId" clId="{DC0987F7-BD44-4948-94E9-203D26FC2526}" dt="2024-02-13T13:17:06.767" v="508"/>
+          <ac:spMkLst>
+            <pc:docMk/>
+            <pc:sldMk cId="2420699619" sldId="504"/>
+            <ac:spMk id="5" creationId="{F6A71515-13F6-ED1F-609D-0CA82B2040D0}"/>
+          </ac:spMkLst>
+        </pc:spChg>
+      </pc:sldChg>
+      <pc:sldChg chg="addSp modSp add mod">
+        <pc:chgData name="범수 김" userId="863329ffd88cf9fc" providerId="LiveId" clId="{DC0987F7-BD44-4948-94E9-203D26FC2526}" dt="2024-02-13T13:36:40.480" v="668" actId="1076"/>
+        <pc:sldMkLst>
+          <pc:docMk/>
+          <pc:sldMk cId="2347148439" sldId="505"/>
+        </pc:sldMkLst>
+        <pc:spChg chg="add mod">
+          <ac:chgData name="범수 김" userId="863329ffd88cf9fc" providerId="LiveId" clId="{DC0987F7-BD44-4948-94E9-203D26FC2526}" dt="2024-02-13T13:36:40.480" v="668" actId="1076"/>
+          <ac:spMkLst>
+            <pc:docMk/>
+            <pc:sldMk cId="2347148439" sldId="505"/>
+            <ac:spMk id="2" creationId="{077D82CE-B2BC-D61D-6343-039824F64A5D}"/>
+          </ac:spMkLst>
+        </pc:spChg>
+        <pc:spChg chg="mod">
+          <ac:chgData name="범수 김" userId="863329ffd88cf9fc" providerId="LiveId" clId="{DC0987F7-BD44-4948-94E9-203D26FC2526}" dt="2024-02-13T13:17:12.257" v="516" actId="1076"/>
+          <ac:spMkLst>
+            <pc:docMk/>
+            <pc:sldMk cId="2347148439" sldId="505"/>
+            <ac:spMk id="5" creationId="{4367FB9C-0FE5-A806-A2C7-FED891D5956C}"/>
+          </ac:spMkLst>
+        </pc:spChg>
+      </pc:sldChg>
+      <pc:sldChg chg="modSp add mod">
+        <pc:chgData name="범수 김" userId="863329ffd88cf9fc" providerId="LiveId" clId="{DC0987F7-BD44-4948-94E9-203D26FC2526}" dt="2024-02-13T13:37:19.486" v="673" actId="20577"/>
+        <pc:sldMkLst>
+          <pc:docMk/>
+          <pc:sldMk cId="653636328" sldId="506"/>
+        </pc:sldMkLst>
+        <pc:spChg chg="mod">
+          <ac:chgData name="범수 김" userId="863329ffd88cf9fc" providerId="LiveId" clId="{DC0987F7-BD44-4948-94E9-203D26FC2526}" dt="2024-02-13T13:37:19.486" v="673" actId="20577"/>
+          <ac:spMkLst>
+            <pc:docMk/>
+            <pc:sldMk cId="653636328" sldId="506"/>
+            <ac:spMk id="5" creationId="{063F9F0E-77F1-DB93-2D09-73143F8AD220}"/>
           </ac:spMkLst>
         </pc:spChg>
       </pc:sldChg>
@@ -4998,7 +5163,7 @@
           <a:p>
             <a:fld id="{B8DBC30E-0DE6-48DA-9112-69415C9BC134}" type="datetimeFigureOut">
               <a:rPr lang="ko-KR" altLang="en-US" smtClean="0"/>
-              <a:t>2024-02-12</a:t>
+              <a:t>2024-02-13</a:t>
             </a:fld>
             <a:endParaRPr lang="ko-KR" altLang="en-US"/>
           </a:p>
@@ -5196,7 +5361,7 @@
           <a:p>
             <a:fld id="{B8DBC30E-0DE6-48DA-9112-69415C9BC134}" type="datetimeFigureOut">
               <a:rPr lang="ko-KR" altLang="en-US" smtClean="0"/>
-              <a:t>2024-02-12</a:t>
+              <a:t>2024-02-13</a:t>
             </a:fld>
             <a:endParaRPr lang="ko-KR" altLang="en-US"/>
           </a:p>
@@ -5404,7 +5569,7 @@
           <a:p>
             <a:fld id="{B8DBC30E-0DE6-48DA-9112-69415C9BC134}" type="datetimeFigureOut">
               <a:rPr lang="ko-KR" altLang="en-US" smtClean="0"/>
-              <a:t>2024-02-12</a:t>
+              <a:t>2024-02-13</a:t>
             </a:fld>
             <a:endParaRPr lang="ko-KR" altLang="en-US"/>
           </a:p>
@@ -5602,7 +5767,7 @@
           <a:p>
             <a:fld id="{B8DBC30E-0DE6-48DA-9112-69415C9BC134}" type="datetimeFigureOut">
               <a:rPr lang="ko-KR" altLang="en-US" smtClean="0"/>
-              <a:t>2024-02-12</a:t>
+              <a:t>2024-02-13</a:t>
             </a:fld>
             <a:endParaRPr lang="ko-KR" altLang="en-US"/>
           </a:p>
@@ -5877,7 +6042,7 @@
           <a:p>
             <a:fld id="{B8DBC30E-0DE6-48DA-9112-69415C9BC134}" type="datetimeFigureOut">
               <a:rPr lang="ko-KR" altLang="en-US" smtClean="0"/>
-              <a:t>2024-02-12</a:t>
+              <a:t>2024-02-13</a:t>
             </a:fld>
             <a:endParaRPr lang="ko-KR" altLang="en-US"/>
           </a:p>
@@ -6142,7 +6307,7 @@
           <a:p>
             <a:fld id="{B8DBC30E-0DE6-48DA-9112-69415C9BC134}" type="datetimeFigureOut">
               <a:rPr lang="ko-KR" altLang="en-US" smtClean="0"/>
-              <a:t>2024-02-12</a:t>
+              <a:t>2024-02-13</a:t>
             </a:fld>
             <a:endParaRPr lang="ko-KR" altLang="en-US"/>
           </a:p>
@@ -6554,7 +6719,7 @@
           <a:p>
             <a:fld id="{B8DBC30E-0DE6-48DA-9112-69415C9BC134}" type="datetimeFigureOut">
               <a:rPr lang="ko-KR" altLang="en-US" smtClean="0"/>
-              <a:t>2024-02-12</a:t>
+              <a:t>2024-02-13</a:t>
             </a:fld>
             <a:endParaRPr lang="ko-KR" altLang="en-US"/>
           </a:p>
@@ -6695,7 +6860,7 @@
           <a:p>
             <a:fld id="{B8DBC30E-0DE6-48DA-9112-69415C9BC134}" type="datetimeFigureOut">
               <a:rPr lang="ko-KR" altLang="en-US" smtClean="0"/>
-              <a:t>2024-02-12</a:t>
+              <a:t>2024-02-13</a:t>
             </a:fld>
             <a:endParaRPr lang="ko-KR" altLang="en-US"/>
           </a:p>
@@ -6808,7 +6973,7 @@
           <a:p>
             <a:fld id="{B8DBC30E-0DE6-48DA-9112-69415C9BC134}" type="datetimeFigureOut">
               <a:rPr lang="ko-KR" altLang="en-US" smtClean="0"/>
-              <a:t>2024-02-12</a:t>
+              <a:t>2024-02-13</a:t>
             </a:fld>
             <a:endParaRPr lang="ko-KR" altLang="en-US"/>
           </a:p>
@@ -7119,7 +7284,7 @@
           <a:p>
             <a:fld id="{B8DBC30E-0DE6-48DA-9112-69415C9BC134}" type="datetimeFigureOut">
               <a:rPr lang="ko-KR" altLang="en-US" smtClean="0"/>
-              <a:t>2024-02-12</a:t>
+              <a:t>2024-02-13</a:t>
             </a:fld>
             <a:endParaRPr lang="ko-KR" altLang="en-US"/>
           </a:p>
@@ -7407,7 +7572,7 @@
           <a:p>
             <a:fld id="{B8DBC30E-0DE6-48DA-9112-69415C9BC134}" type="datetimeFigureOut">
               <a:rPr lang="ko-KR" altLang="en-US" smtClean="0"/>
-              <a:t>2024-02-12</a:t>
+              <a:t>2024-02-13</a:t>
             </a:fld>
             <a:endParaRPr lang="ko-KR" altLang="en-US"/>
           </a:p>
@@ -7648,7 +7813,7 @@
           <a:p>
             <a:fld id="{B8DBC30E-0DE6-48DA-9112-69415C9BC134}" type="datetimeFigureOut">
               <a:rPr lang="ko-KR" altLang="en-US" smtClean="0"/>
-              <a:t>2024-02-12</a:t>
+              <a:t>2024-02-13</a:t>
             </a:fld>
             <a:endParaRPr lang="ko-KR" altLang="en-US"/>
           </a:p>
@@ -8290,6 +8455,821 @@
 </p:sld>
 </file>
 
+<file path=ppt/slides/slide10.xml><?xml version="1.0" encoding="utf-8"?>
+<p:sld xmlns:a="http://schemas.openxmlformats.org/drawingml/2006/main" xmlns:r="http://schemas.openxmlformats.org/officeDocument/2006/relationships" xmlns:p="http://schemas.openxmlformats.org/presentationml/2006/main">
+  <p:cSld>
+    <p:spTree>
+      <p:nvGrpSpPr>
+        <p:cNvPr id="1" name="">
+          <a:extLst>
+            <a:ext uri="{FF2B5EF4-FFF2-40B4-BE49-F238E27FC236}">
+              <a16:creationId xmlns:a16="http://schemas.microsoft.com/office/drawing/2014/main" id="{19049E21-06C9-8700-FA45-635503C4897D}"/>
+            </a:ext>
+          </a:extLst>
+        </p:cNvPr>
+        <p:cNvGrpSpPr/>
+        <p:nvPr/>
+      </p:nvGrpSpPr>
+      <p:grpSpPr>
+        <a:xfrm>
+          <a:off x="0" y="0"/>
+          <a:ext cx="0" cy="0"/>
+          <a:chOff x="0" y="0"/>
+          <a:chExt cx="0" cy="0"/>
+        </a:xfrm>
+      </p:grpSpPr>
+      <p:sp>
+        <p:nvSpPr>
+          <p:cNvPr id="5" name="TextBox 4">
+            <a:extLst>
+              <a:ext uri="{FF2B5EF4-FFF2-40B4-BE49-F238E27FC236}">
+                <a16:creationId xmlns:a16="http://schemas.microsoft.com/office/drawing/2014/main" id="{0C8515F7-F923-101F-20CB-27CD463459B8}"/>
+              </a:ext>
+            </a:extLst>
+          </p:cNvPr>
+          <p:cNvSpPr txBox="1"/>
+          <p:nvPr/>
+        </p:nvSpPr>
+        <p:spPr>
+          <a:xfrm>
+            <a:off x="3565500" y="2767281"/>
+            <a:ext cx="5061001" cy="1323439"/>
+          </a:xfrm>
+          <a:prstGeom prst="rect">
+            <a:avLst/>
+          </a:prstGeom>
+          <a:solidFill>
+            <a:srgbClr val="1C3166"/>
+          </a:solidFill>
+          <a:ln>
+            <a:solidFill>
+              <a:schemeClr val="tx1"/>
+            </a:solidFill>
+          </a:ln>
+        </p:spPr>
+        <p:txBody>
+          <a:bodyPr wrap="none" rtlCol="0">
+            <a:spAutoFit/>
+          </a:bodyPr>
+          <a:lstStyle/>
+          <a:p>
+            <a:pPr algn="ctr"/>
+            <a:r>
+              <a:rPr lang="ko-KR" altLang="en-US" sz="4000" dirty="0">
+                <a:solidFill>
+                  <a:schemeClr val="bg1"/>
+                </a:solidFill>
+                <a:latin typeface="에스코어 드림 6 Bold" panose="020B0703030302020204" pitchFamily="34" charset="-127"/>
+                <a:ea typeface="에스코어 드림 6 Bold" panose="020B0703030302020204" pitchFamily="34" charset="-127"/>
+              </a:rPr>
+              <a:t>부록</a:t>
+            </a:r>
+            <a:r>
+              <a:rPr lang="en-US" altLang="ko-KR" sz="4000" dirty="0">
+                <a:solidFill>
+                  <a:schemeClr val="bg1"/>
+                </a:solidFill>
+                <a:latin typeface="에스코어 드림 6 Bold" panose="020B0703030302020204" pitchFamily="34" charset="-127"/>
+                <a:ea typeface="에스코어 드림 6 Bold" panose="020B0703030302020204" pitchFamily="34" charset="-127"/>
+              </a:rPr>
+              <a:t>-Part1.ch01-03</a:t>
+            </a:r>
+          </a:p>
+          <a:p>
+            <a:pPr algn="ctr"/>
+            <a:r>
+              <a:rPr lang="en-US" altLang="ko-KR" sz="4000" dirty="0" err="1">
+                <a:solidFill>
+                  <a:schemeClr val="bg1"/>
+                </a:solidFill>
+                <a:latin typeface="에스코어 드림 6 Bold" panose="020B0703030302020204" pitchFamily="34" charset="-127"/>
+                <a:ea typeface="에스코어 드림 6 Bold" panose="020B0703030302020204" pitchFamily="34" charset="-127"/>
+              </a:rPr>
+              <a:t>Dbeaver</a:t>
+            </a:r>
+            <a:r>
+              <a:rPr lang="en-US" altLang="ko-KR" sz="4000" dirty="0">
+                <a:solidFill>
+                  <a:schemeClr val="bg1"/>
+                </a:solidFill>
+                <a:latin typeface="에스코어 드림 6 Bold" panose="020B0703030302020204" pitchFamily="34" charset="-127"/>
+                <a:ea typeface="에스코어 드림 6 Bold" panose="020B0703030302020204" pitchFamily="34" charset="-127"/>
+              </a:rPr>
+              <a:t> </a:t>
+            </a:r>
+            <a:r>
+              <a:rPr lang="ko-KR" altLang="en-US" sz="4000" dirty="0">
+                <a:solidFill>
+                  <a:schemeClr val="bg1"/>
+                </a:solidFill>
+                <a:latin typeface="에스코어 드림 6 Bold" panose="020B0703030302020204" pitchFamily="34" charset="-127"/>
+                <a:ea typeface="에스코어 드림 6 Bold" panose="020B0703030302020204" pitchFamily="34" charset="-127"/>
+              </a:rPr>
+              <a:t>설치</a:t>
+            </a:r>
+          </a:p>
+        </p:txBody>
+      </p:sp>
+    </p:spTree>
+    <p:extLst>
+      <p:ext uri="{BB962C8B-B14F-4D97-AF65-F5344CB8AC3E}">
+        <p14:creationId xmlns:p14="http://schemas.microsoft.com/office/powerpoint/2010/main" val="1175877451"/>
+      </p:ext>
+    </p:extLst>
+  </p:cSld>
+  <p:clrMapOvr>
+    <a:masterClrMapping/>
+  </p:clrMapOvr>
+</p:sld>
+</file>
+
+<file path=ppt/slides/slide11.xml><?xml version="1.0" encoding="utf-8"?>
+<p:sld xmlns:a="http://schemas.openxmlformats.org/drawingml/2006/main" xmlns:r="http://schemas.openxmlformats.org/officeDocument/2006/relationships" xmlns:p="http://schemas.openxmlformats.org/presentationml/2006/main">
+  <p:cSld>
+    <p:spTree>
+      <p:nvGrpSpPr>
+        <p:cNvPr id="1" name="">
+          <a:extLst>
+            <a:ext uri="{FF2B5EF4-FFF2-40B4-BE49-F238E27FC236}">
+              <a16:creationId xmlns:a16="http://schemas.microsoft.com/office/drawing/2014/main" id="{9DD2633C-ED8B-D8BE-B017-C5EC8DFA4D02}"/>
+            </a:ext>
+          </a:extLst>
+        </p:cNvPr>
+        <p:cNvGrpSpPr/>
+        <p:nvPr/>
+      </p:nvGrpSpPr>
+      <p:grpSpPr>
+        <a:xfrm>
+          <a:off x="0" y="0"/>
+          <a:ext cx="0" cy="0"/>
+          <a:chOff x="0" y="0"/>
+          <a:chExt cx="0" cy="0"/>
+        </a:xfrm>
+      </p:grpSpPr>
+      <p:sp>
+        <p:nvSpPr>
+          <p:cNvPr id="5" name="TextBox 4">
+            <a:extLst>
+              <a:ext uri="{FF2B5EF4-FFF2-40B4-BE49-F238E27FC236}">
+                <a16:creationId xmlns:a16="http://schemas.microsoft.com/office/drawing/2014/main" id="{098CF19F-70A5-544A-E6FD-7512A1E2FEBA}"/>
+              </a:ext>
+            </a:extLst>
+          </p:cNvPr>
+          <p:cNvSpPr txBox="1"/>
+          <p:nvPr/>
+        </p:nvSpPr>
+        <p:spPr>
+          <a:xfrm>
+            <a:off x="192519" y="197502"/>
+            <a:ext cx="2379177" cy="646331"/>
+          </a:xfrm>
+          <a:prstGeom prst="rect">
+            <a:avLst/>
+          </a:prstGeom>
+          <a:solidFill>
+            <a:srgbClr val="1C3166"/>
+          </a:solidFill>
+          <a:ln>
+            <a:solidFill>
+              <a:schemeClr val="tx1"/>
+            </a:solidFill>
+          </a:ln>
+        </p:spPr>
+        <p:txBody>
+          <a:bodyPr wrap="none" rtlCol="0">
+            <a:spAutoFit/>
+          </a:bodyPr>
+          <a:lstStyle/>
+          <a:p>
+            <a:pPr algn="ctr"/>
+            <a:r>
+              <a:rPr lang="ko-KR" altLang="en-US" dirty="0">
+                <a:solidFill>
+                  <a:schemeClr val="bg1"/>
+                </a:solidFill>
+                <a:latin typeface="에스코어 드림 6 Bold" panose="020B0703030302020204" pitchFamily="34" charset="-127"/>
+                <a:ea typeface="에스코어 드림 6 Bold" panose="020B0703030302020204" pitchFamily="34" charset="-127"/>
+              </a:rPr>
+              <a:t>부록</a:t>
+            </a:r>
+            <a:r>
+              <a:rPr lang="en-US" altLang="ko-KR" dirty="0">
+                <a:solidFill>
+                  <a:schemeClr val="bg1"/>
+                </a:solidFill>
+                <a:latin typeface="에스코어 드림 6 Bold" panose="020B0703030302020204" pitchFamily="34" charset="-127"/>
+                <a:ea typeface="에스코어 드림 6 Bold" panose="020B0703030302020204" pitchFamily="34" charset="-127"/>
+              </a:rPr>
+              <a:t>-Part1.ch01-03</a:t>
+            </a:r>
+          </a:p>
+          <a:p>
+            <a:pPr algn="ctr"/>
+            <a:r>
+              <a:rPr lang="en-US" altLang="ko-KR" dirty="0" err="1">
+                <a:solidFill>
+                  <a:schemeClr val="bg1"/>
+                </a:solidFill>
+                <a:latin typeface="에스코어 드림 6 Bold" panose="020B0703030302020204" pitchFamily="34" charset="-127"/>
+                <a:ea typeface="에스코어 드림 6 Bold" panose="020B0703030302020204" pitchFamily="34" charset="-127"/>
+              </a:rPr>
+              <a:t>Dbeaver</a:t>
+            </a:r>
+            <a:r>
+              <a:rPr lang="en-US" altLang="ko-KR" dirty="0">
+                <a:solidFill>
+                  <a:schemeClr val="bg1"/>
+                </a:solidFill>
+                <a:latin typeface="에스코어 드림 6 Bold" panose="020B0703030302020204" pitchFamily="34" charset="-127"/>
+                <a:ea typeface="에스코어 드림 6 Bold" panose="020B0703030302020204" pitchFamily="34" charset="-127"/>
+              </a:rPr>
+              <a:t> </a:t>
+            </a:r>
+            <a:r>
+              <a:rPr lang="ko-KR" altLang="en-US" dirty="0">
+                <a:solidFill>
+                  <a:schemeClr val="bg1"/>
+                </a:solidFill>
+                <a:latin typeface="에스코어 드림 6 Bold" panose="020B0703030302020204" pitchFamily="34" charset="-127"/>
+                <a:ea typeface="에스코어 드림 6 Bold" panose="020B0703030302020204" pitchFamily="34" charset="-127"/>
+              </a:rPr>
+              <a:t>설치</a:t>
+            </a:r>
+          </a:p>
+        </p:txBody>
+      </p:sp>
+      <p:sp>
+        <p:nvSpPr>
+          <p:cNvPr id="2" name="TextBox 1">
+            <a:extLst>
+              <a:ext uri="{FF2B5EF4-FFF2-40B4-BE49-F238E27FC236}">
+                <a16:creationId xmlns:a16="http://schemas.microsoft.com/office/drawing/2014/main" id="{1E9AA07B-0C6D-FF1C-35E7-877F1F63C970}"/>
+              </a:ext>
+            </a:extLst>
+          </p:cNvPr>
+          <p:cNvSpPr txBox="1"/>
+          <p:nvPr/>
+        </p:nvSpPr>
+        <p:spPr>
+          <a:xfrm>
+            <a:off x="192519" y="1206062"/>
+            <a:ext cx="5330947" cy="923330"/>
+          </a:xfrm>
+          <a:prstGeom prst="rect">
+            <a:avLst/>
+          </a:prstGeom>
+          <a:noFill/>
+          <a:ln>
+            <a:solidFill>
+              <a:schemeClr val="tx1"/>
+            </a:solidFill>
+          </a:ln>
+        </p:spPr>
+        <p:txBody>
+          <a:bodyPr wrap="none" rtlCol="0">
+            <a:spAutoFit/>
+          </a:bodyPr>
+          <a:lstStyle/>
+          <a:p>
+            <a:r>
+              <a:rPr lang="en-US" altLang="ko-KR" dirty="0"/>
+              <a:t>&lt;</a:t>
+            </a:r>
+            <a:r>
+              <a:rPr lang="ko-KR" altLang="en-US" dirty="0"/>
+              <a:t>진행사항</a:t>
+            </a:r>
+            <a:r>
+              <a:rPr lang="en-US" altLang="ko-KR" dirty="0"/>
+              <a:t>&gt;</a:t>
+            </a:r>
+          </a:p>
+          <a:p>
+            <a:pPr marL="342900" indent="-342900">
+              <a:buAutoNum type="arabicPeriod"/>
+            </a:pPr>
+            <a:r>
+              <a:rPr lang="en-US" altLang="ko-KR" dirty="0" err="1"/>
+              <a:t>dbeaver</a:t>
+            </a:r>
+            <a:r>
+              <a:rPr lang="en-US" altLang="ko-KR" dirty="0"/>
+              <a:t> </a:t>
+            </a:r>
+            <a:r>
+              <a:rPr lang="ko-KR" altLang="en-US" dirty="0"/>
+              <a:t>설치 및 </a:t>
+            </a:r>
+            <a:r>
+              <a:rPr lang="en-US" altLang="ko-KR" dirty="0"/>
+              <a:t>DB </a:t>
+            </a:r>
+            <a:r>
+              <a:rPr lang="ko-KR" altLang="en-US" dirty="0"/>
+              <a:t>연동</a:t>
+            </a:r>
+            <a:endParaRPr lang="en-US" altLang="ko-KR" dirty="0"/>
+          </a:p>
+          <a:p>
+            <a:pPr marL="342900" indent="-342900">
+              <a:buAutoNum type="arabicPeriod"/>
+            </a:pPr>
+            <a:r>
+              <a:rPr lang="en-US" altLang="ko-KR" dirty="0" err="1"/>
+              <a:t>Dbeaver</a:t>
+            </a:r>
+            <a:r>
+              <a:rPr lang="ko-KR" altLang="en-US" dirty="0"/>
+              <a:t>에 </a:t>
+            </a:r>
+            <a:r>
+              <a:rPr lang="en-US" altLang="ko-KR" dirty="0"/>
+              <a:t>DB</a:t>
+            </a:r>
+            <a:r>
+              <a:rPr lang="ko-KR" altLang="en-US" dirty="0"/>
+              <a:t>연동이 되지 않을 경우</a:t>
+            </a:r>
+            <a:r>
+              <a:rPr lang="en-US" altLang="ko-KR" dirty="0"/>
+              <a:t>, </a:t>
+            </a:r>
+            <a:r>
+              <a:rPr lang="ko-KR" altLang="en-US" dirty="0"/>
+              <a:t>해결방법</a:t>
+            </a:r>
+            <a:endParaRPr lang="en-US" altLang="ko-KR" dirty="0"/>
+          </a:p>
+        </p:txBody>
+      </p:sp>
+    </p:spTree>
+    <p:extLst>
+      <p:ext uri="{BB962C8B-B14F-4D97-AF65-F5344CB8AC3E}">
+        <p14:creationId xmlns:p14="http://schemas.microsoft.com/office/powerpoint/2010/main" val="2525847268"/>
+      </p:ext>
+    </p:extLst>
+  </p:cSld>
+  <p:clrMapOvr>
+    <a:masterClrMapping/>
+  </p:clrMapOvr>
+</p:sld>
+</file>
+
+<file path=ppt/slides/slide12.xml><?xml version="1.0" encoding="utf-8"?>
+<p:sld xmlns:a="http://schemas.openxmlformats.org/drawingml/2006/main" xmlns:r="http://schemas.openxmlformats.org/officeDocument/2006/relationships" xmlns:p="http://schemas.openxmlformats.org/presentationml/2006/main">
+  <p:cSld>
+    <p:spTree>
+      <p:nvGrpSpPr>
+        <p:cNvPr id="1" name="">
+          <a:extLst>
+            <a:ext uri="{FF2B5EF4-FFF2-40B4-BE49-F238E27FC236}">
+              <a16:creationId xmlns:a16="http://schemas.microsoft.com/office/drawing/2014/main" id="{3BA43A26-D773-5EF1-593D-F944E2796BA2}"/>
+            </a:ext>
+          </a:extLst>
+        </p:cNvPr>
+        <p:cNvGrpSpPr/>
+        <p:nvPr/>
+      </p:nvGrpSpPr>
+      <p:grpSpPr>
+        <a:xfrm>
+          <a:off x="0" y="0"/>
+          <a:ext cx="0" cy="0"/>
+          <a:chOff x="0" y="0"/>
+          <a:chExt cx="0" cy="0"/>
+        </a:xfrm>
+      </p:grpSpPr>
+      <p:sp>
+        <p:nvSpPr>
+          <p:cNvPr id="5" name="TextBox 4">
+            <a:extLst>
+              <a:ext uri="{FF2B5EF4-FFF2-40B4-BE49-F238E27FC236}">
+                <a16:creationId xmlns:a16="http://schemas.microsoft.com/office/drawing/2014/main" id="{F6A71515-13F6-ED1F-609D-0CA82B2040D0}"/>
+              </a:ext>
+            </a:extLst>
+          </p:cNvPr>
+          <p:cNvSpPr txBox="1"/>
+          <p:nvPr/>
+        </p:nvSpPr>
+        <p:spPr>
+          <a:xfrm>
+            <a:off x="3565500" y="2767281"/>
+            <a:ext cx="5061001" cy="1323439"/>
+          </a:xfrm>
+          <a:prstGeom prst="rect">
+            <a:avLst/>
+          </a:prstGeom>
+          <a:solidFill>
+            <a:srgbClr val="1C3166"/>
+          </a:solidFill>
+          <a:ln>
+            <a:solidFill>
+              <a:schemeClr val="tx1"/>
+            </a:solidFill>
+          </a:ln>
+        </p:spPr>
+        <p:txBody>
+          <a:bodyPr wrap="none" rtlCol="0">
+            <a:spAutoFit/>
+          </a:bodyPr>
+          <a:lstStyle/>
+          <a:p>
+            <a:pPr algn="ctr"/>
+            <a:r>
+              <a:rPr lang="ko-KR" altLang="en-US" sz="4000" dirty="0">
+                <a:solidFill>
+                  <a:schemeClr val="bg1"/>
+                </a:solidFill>
+                <a:latin typeface="에스코어 드림 6 Bold" panose="020B0703030302020204" pitchFamily="34" charset="-127"/>
+                <a:ea typeface="에스코어 드림 6 Bold" panose="020B0703030302020204" pitchFamily="34" charset="-127"/>
+              </a:rPr>
+              <a:t>부록</a:t>
+            </a:r>
+            <a:r>
+              <a:rPr lang="en-US" altLang="ko-KR" sz="4000" dirty="0">
+                <a:solidFill>
+                  <a:schemeClr val="bg1"/>
+                </a:solidFill>
+                <a:latin typeface="에스코어 드림 6 Bold" panose="020B0703030302020204" pitchFamily="34" charset="-127"/>
+                <a:ea typeface="에스코어 드림 6 Bold" panose="020B0703030302020204" pitchFamily="34" charset="-127"/>
+              </a:rPr>
+              <a:t>-Part1.ch02-01</a:t>
+            </a:r>
+          </a:p>
+          <a:p>
+            <a:pPr algn="ctr"/>
+            <a:r>
+              <a:rPr lang="ko-KR" altLang="en-US" sz="4000" dirty="0">
+                <a:solidFill>
+                  <a:schemeClr val="bg1"/>
+                </a:solidFill>
+                <a:latin typeface="에스코어 드림 6 Bold" panose="020B0703030302020204" pitchFamily="34" charset="-127"/>
+                <a:ea typeface="에스코어 드림 6 Bold" panose="020B0703030302020204" pitchFamily="34" charset="-127"/>
+              </a:rPr>
+              <a:t>실습 데이터 삽입</a:t>
+            </a:r>
+            <a:endParaRPr lang="en-US" altLang="ko-KR" sz="4000" dirty="0">
+              <a:solidFill>
+                <a:schemeClr val="bg1"/>
+              </a:solidFill>
+              <a:latin typeface="에스코어 드림 6 Bold" panose="020B0703030302020204" pitchFamily="34" charset="-127"/>
+              <a:ea typeface="에스코어 드림 6 Bold" panose="020B0703030302020204" pitchFamily="34" charset="-127"/>
+            </a:endParaRPr>
+          </a:p>
+        </p:txBody>
+      </p:sp>
+    </p:spTree>
+    <p:extLst>
+      <p:ext uri="{BB962C8B-B14F-4D97-AF65-F5344CB8AC3E}">
+        <p14:creationId xmlns:p14="http://schemas.microsoft.com/office/powerpoint/2010/main" val="2420699619"/>
+      </p:ext>
+    </p:extLst>
+  </p:cSld>
+  <p:clrMapOvr>
+    <a:masterClrMapping/>
+  </p:clrMapOvr>
+</p:sld>
+</file>
+
+<file path=ppt/slides/slide13.xml><?xml version="1.0" encoding="utf-8"?>
+<p:sld xmlns:a="http://schemas.openxmlformats.org/drawingml/2006/main" xmlns:r="http://schemas.openxmlformats.org/officeDocument/2006/relationships" xmlns:p="http://schemas.openxmlformats.org/presentationml/2006/main">
+  <p:cSld>
+    <p:spTree>
+      <p:nvGrpSpPr>
+        <p:cNvPr id="1" name="">
+          <a:extLst>
+            <a:ext uri="{FF2B5EF4-FFF2-40B4-BE49-F238E27FC236}">
+              <a16:creationId xmlns:a16="http://schemas.microsoft.com/office/drawing/2014/main" id="{3C222CB7-8DCB-E98F-6B4D-5F73CD3AE0E6}"/>
+            </a:ext>
+          </a:extLst>
+        </p:cNvPr>
+        <p:cNvGrpSpPr/>
+        <p:nvPr/>
+      </p:nvGrpSpPr>
+      <p:grpSpPr>
+        <a:xfrm>
+          <a:off x="0" y="0"/>
+          <a:ext cx="0" cy="0"/>
+          <a:chOff x="0" y="0"/>
+          <a:chExt cx="0" cy="0"/>
+        </a:xfrm>
+      </p:grpSpPr>
+      <p:sp>
+        <p:nvSpPr>
+          <p:cNvPr id="5" name="TextBox 4">
+            <a:extLst>
+              <a:ext uri="{FF2B5EF4-FFF2-40B4-BE49-F238E27FC236}">
+                <a16:creationId xmlns:a16="http://schemas.microsoft.com/office/drawing/2014/main" id="{4367FB9C-0FE5-A806-A2C7-FED891D5956C}"/>
+              </a:ext>
+            </a:extLst>
+          </p:cNvPr>
+          <p:cNvSpPr txBox="1"/>
+          <p:nvPr/>
+        </p:nvSpPr>
+        <p:spPr>
+          <a:xfrm>
+            <a:off x="216168" y="173853"/>
+            <a:ext cx="2379177" cy="646331"/>
+          </a:xfrm>
+          <a:prstGeom prst="rect">
+            <a:avLst/>
+          </a:prstGeom>
+          <a:solidFill>
+            <a:srgbClr val="1C3166"/>
+          </a:solidFill>
+          <a:ln>
+            <a:solidFill>
+              <a:schemeClr val="tx1"/>
+            </a:solidFill>
+          </a:ln>
+        </p:spPr>
+        <p:txBody>
+          <a:bodyPr wrap="none" rtlCol="0">
+            <a:spAutoFit/>
+          </a:bodyPr>
+          <a:lstStyle/>
+          <a:p>
+            <a:pPr algn="ctr"/>
+            <a:r>
+              <a:rPr lang="ko-KR" altLang="en-US" dirty="0">
+                <a:solidFill>
+                  <a:schemeClr val="bg1"/>
+                </a:solidFill>
+                <a:latin typeface="에스코어 드림 6 Bold" panose="020B0703030302020204" pitchFamily="34" charset="-127"/>
+                <a:ea typeface="에스코어 드림 6 Bold" panose="020B0703030302020204" pitchFamily="34" charset="-127"/>
+              </a:rPr>
+              <a:t>부록</a:t>
+            </a:r>
+            <a:r>
+              <a:rPr lang="en-US" altLang="ko-KR" dirty="0">
+                <a:solidFill>
+                  <a:schemeClr val="bg1"/>
+                </a:solidFill>
+                <a:latin typeface="에스코어 드림 6 Bold" panose="020B0703030302020204" pitchFamily="34" charset="-127"/>
+                <a:ea typeface="에스코어 드림 6 Bold" panose="020B0703030302020204" pitchFamily="34" charset="-127"/>
+              </a:rPr>
+              <a:t>-Part1.ch02-01</a:t>
+            </a:r>
+          </a:p>
+          <a:p>
+            <a:pPr algn="ctr"/>
+            <a:r>
+              <a:rPr lang="ko-KR" altLang="en-US" dirty="0">
+                <a:solidFill>
+                  <a:schemeClr val="bg1"/>
+                </a:solidFill>
+                <a:latin typeface="에스코어 드림 6 Bold" panose="020B0703030302020204" pitchFamily="34" charset="-127"/>
+                <a:ea typeface="에스코어 드림 6 Bold" panose="020B0703030302020204" pitchFamily="34" charset="-127"/>
+              </a:rPr>
+              <a:t>실습 데이터 삽입</a:t>
+            </a:r>
+            <a:endParaRPr lang="en-US" altLang="ko-KR" dirty="0">
+              <a:solidFill>
+                <a:schemeClr val="bg1"/>
+              </a:solidFill>
+              <a:latin typeface="에스코어 드림 6 Bold" panose="020B0703030302020204" pitchFamily="34" charset="-127"/>
+              <a:ea typeface="에스코어 드림 6 Bold" panose="020B0703030302020204" pitchFamily="34" charset="-127"/>
+            </a:endParaRPr>
+          </a:p>
+        </p:txBody>
+      </p:sp>
+      <p:sp>
+        <p:nvSpPr>
+          <p:cNvPr id="2" name="TextBox 1">
+            <a:extLst>
+              <a:ext uri="{FF2B5EF4-FFF2-40B4-BE49-F238E27FC236}">
+                <a16:creationId xmlns:a16="http://schemas.microsoft.com/office/drawing/2014/main" id="{077D82CE-B2BC-D61D-6343-039824F64A5D}"/>
+              </a:ext>
+            </a:extLst>
+          </p:cNvPr>
+          <p:cNvSpPr txBox="1"/>
+          <p:nvPr/>
+        </p:nvSpPr>
+        <p:spPr>
+          <a:xfrm>
+            <a:off x="216168" y="1143000"/>
+            <a:ext cx="8626529" cy="923330"/>
+          </a:xfrm>
+          <a:prstGeom prst="rect">
+            <a:avLst/>
+          </a:prstGeom>
+          <a:noFill/>
+          <a:ln>
+            <a:solidFill>
+              <a:schemeClr val="tx1"/>
+            </a:solidFill>
+          </a:ln>
+        </p:spPr>
+        <p:txBody>
+          <a:bodyPr wrap="none" rtlCol="0">
+            <a:spAutoFit/>
+          </a:bodyPr>
+          <a:lstStyle/>
+          <a:p>
+            <a:r>
+              <a:rPr lang="en-US" altLang="ko-KR" dirty="0"/>
+              <a:t>&lt;</a:t>
+            </a:r>
+            <a:r>
+              <a:rPr lang="ko-KR" altLang="en-US" dirty="0"/>
+              <a:t>진행사항</a:t>
+            </a:r>
+            <a:r>
+              <a:rPr lang="en-US" altLang="ko-KR" dirty="0"/>
+              <a:t>&gt;</a:t>
+            </a:r>
+          </a:p>
+          <a:p>
+            <a:pPr marL="342900" indent="-342900">
+              <a:buAutoNum type="arabicPeriod"/>
+            </a:pPr>
+            <a:r>
+              <a:rPr lang="ko-KR" altLang="en-US" dirty="0"/>
+              <a:t>쿼리 입력  </a:t>
+            </a:r>
+            <a:r>
+              <a:rPr lang="en-US" altLang="ko-KR" dirty="0"/>
+              <a:t>(</a:t>
+            </a:r>
+            <a:r>
+              <a:rPr lang="ko-KR" altLang="en-US" dirty="0"/>
+              <a:t>복습을 희망한다면 영상 보는 편이 </a:t>
+            </a:r>
+            <a:r>
+              <a:rPr lang="ko-KR" altLang="en-US" dirty="0" err="1"/>
+              <a:t>빠를듯</a:t>
+            </a:r>
+            <a:r>
+              <a:rPr lang="en-US" altLang="ko-KR" dirty="0"/>
+              <a:t>)</a:t>
+            </a:r>
+          </a:p>
+          <a:p>
+            <a:pPr marL="800100" lvl="1" indent="-342900">
+              <a:buAutoNum type="arabicPeriod"/>
+            </a:pPr>
+            <a:r>
+              <a:rPr lang="ko-KR" altLang="en-US" dirty="0"/>
+              <a:t>참고 파일명 </a:t>
+            </a:r>
+            <a:r>
+              <a:rPr lang="en-US" altLang="ko-KR" dirty="0"/>
+              <a:t>: Part_1_</a:t>
+            </a:r>
+            <a:r>
+              <a:rPr lang="ko-KR" altLang="en-US" dirty="0" err="1"/>
+              <a:t>오라클실습환경구성</a:t>
+            </a:r>
+            <a:r>
+              <a:rPr lang="en-US" altLang="ko-KR" dirty="0"/>
+              <a:t>_Chapter_2_</a:t>
+            </a:r>
+            <a:r>
+              <a:rPr lang="ko-KR" altLang="en-US" dirty="0"/>
+              <a:t>실습데이터입력</a:t>
+            </a:r>
+            <a:r>
+              <a:rPr lang="en-US" altLang="ko-KR" dirty="0"/>
+              <a:t>.pdf</a:t>
+            </a:r>
+            <a:endParaRPr lang="ko-KR" altLang="en-US" dirty="0"/>
+          </a:p>
+        </p:txBody>
+      </p:sp>
+    </p:spTree>
+    <p:extLst>
+      <p:ext uri="{BB962C8B-B14F-4D97-AF65-F5344CB8AC3E}">
+        <p14:creationId xmlns:p14="http://schemas.microsoft.com/office/powerpoint/2010/main" val="2347148439"/>
+      </p:ext>
+    </p:extLst>
+  </p:cSld>
+  <p:clrMapOvr>
+    <a:masterClrMapping/>
+  </p:clrMapOvr>
+</p:sld>
+</file>
+
+<file path=ppt/slides/slide14.xml><?xml version="1.0" encoding="utf-8"?>
+<p:sld xmlns:a="http://schemas.openxmlformats.org/drawingml/2006/main" xmlns:r="http://schemas.openxmlformats.org/officeDocument/2006/relationships" xmlns:p="http://schemas.openxmlformats.org/presentationml/2006/main">
+  <p:cSld>
+    <p:spTree>
+      <p:nvGrpSpPr>
+        <p:cNvPr id="1" name="">
+          <a:extLst>
+            <a:ext uri="{FF2B5EF4-FFF2-40B4-BE49-F238E27FC236}">
+              <a16:creationId xmlns:a16="http://schemas.microsoft.com/office/drawing/2014/main" id="{B81666AD-04FF-1458-9C39-3BF4D113A533}"/>
+            </a:ext>
+          </a:extLst>
+        </p:cNvPr>
+        <p:cNvGrpSpPr/>
+        <p:nvPr/>
+      </p:nvGrpSpPr>
+      <p:grpSpPr>
+        <a:xfrm>
+          <a:off x="0" y="0"/>
+          <a:ext cx="0" cy="0"/>
+          <a:chOff x="0" y="0"/>
+          <a:chExt cx="0" cy="0"/>
+        </a:xfrm>
+      </p:grpSpPr>
+      <p:sp>
+        <p:nvSpPr>
+          <p:cNvPr id="5" name="TextBox 4">
+            <a:extLst>
+              <a:ext uri="{FF2B5EF4-FFF2-40B4-BE49-F238E27FC236}">
+                <a16:creationId xmlns:a16="http://schemas.microsoft.com/office/drawing/2014/main" id="{063F9F0E-77F1-DB93-2D09-73143F8AD220}"/>
+              </a:ext>
+            </a:extLst>
+          </p:cNvPr>
+          <p:cNvSpPr txBox="1"/>
+          <p:nvPr/>
+        </p:nvSpPr>
+        <p:spPr>
+          <a:xfrm>
+            <a:off x="3565500" y="2767281"/>
+            <a:ext cx="5061001" cy="1323439"/>
+          </a:xfrm>
+          <a:prstGeom prst="rect">
+            <a:avLst/>
+          </a:prstGeom>
+          <a:solidFill>
+            <a:srgbClr val="1C3166"/>
+          </a:solidFill>
+          <a:ln>
+            <a:solidFill>
+              <a:schemeClr val="tx1"/>
+            </a:solidFill>
+          </a:ln>
+        </p:spPr>
+        <p:txBody>
+          <a:bodyPr wrap="none" rtlCol="0">
+            <a:spAutoFit/>
+          </a:bodyPr>
+          <a:lstStyle/>
+          <a:p>
+            <a:pPr algn="ctr"/>
+            <a:r>
+              <a:rPr lang="ko-KR" altLang="en-US" sz="4000" dirty="0">
+                <a:solidFill>
+                  <a:schemeClr val="bg1"/>
+                </a:solidFill>
+                <a:latin typeface="에스코어 드림 6 Bold" panose="020B0703030302020204" pitchFamily="34" charset="-127"/>
+                <a:ea typeface="에스코어 드림 6 Bold" panose="020B0703030302020204" pitchFamily="34" charset="-127"/>
+              </a:rPr>
+              <a:t>부록</a:t>
+            </a:r>
+            <a:r>
+              <a:rPr lang="en-US" altLang="ko-KR" sz="4000">
+                <a:solidFill>
+                  <a:schemeClr val="bg1"/>
+                </a:solidFill>
+                <a:latin typeface="에스코어 드림 6 Bold" panose="020B0703030302020204" pitchFamily="34" charset="-127"/>
+                <a:ea typeface="에스코어 드림 6 Bold" panose="020B0703030302020204" pitchFamily="34" charset="-127"/>
+              </a:rPr>
+              <a:t>-Part2.ch01-01</a:t>
+            </a:r>
+            <a:endParaRPr lang="en-US" altLang="ko-KR" sz="4000" dirty="0">
+              <a:solidFill>
+                <a:schemeClr val="bg1"/>
+              </a:solidFill>
+              <a:latin typeface="에스코어 드림 6 Bold" panose="020B0703030302020204" pitchFamily="34" charset="-127"/>
+              <a:ea typeface="에스코어 드림 6 Bold" panose="020B0703030302020204" pitchFamily="34" charset="-127"/>
+            </a:endParaRPr>
+          </a:p>
+          <a:p>
+            <a:pPr algn="ctr"/>
+            <a:r>
+              <a:rPr lang="ko-KR" altLang="en-US" sz="4000" dirty="0">
+                <a:solidFill>
+                  <a:schemeClr val="bg1"/>
+                </a:solidFill>
+                <a:latin typeface="에스코어 드림 6 Bold" panose="020B0703030302020204" pitchFamily="34" charset="-127"/>
+                <a:ea typeface="에스코어 드림 6 Bold" panose="020B0703030302020204" pitchFamily="34" charset="-127"/>
+              </a:rPr>
+              <a:t>실습 데이터 삽입</a:t>
+            </a:r>
+            <a:endParaRPr lang="en-US" altLang="ko-KR" sz="4000" dirty="0">
+              <a:solidFill>
+                <a:schemeClr val="bg1"/>
+              </a:solidFill>
+              <a:latin typeface="에스코어 드림 6 Bold" panose="020B0703030302020204" pitchFamily="34" charset="-127"/>
+              <a:ea typeface="에스코어 드림 6 Bold" panose="020B0703030302020204" pitchFamily="34" charset="-127"/>
+            </a:endParaRPr>
+          </a:p>
+        </p:txBody>
+      </p:sp>
+    </p:spTree>
+    <p:extLst>
+      <p:ext uri="{BB962C8B-B14F-4D97-AF65-F5344CB8AC3E}">
+        <p14:creationId xmlns:p14="http://schemas.microsoft.com/office/powerpoint/2010/main" val="653636328"/>
+      </p:ext>
+    </p:extLst>
+  </p:cSld>
+  <p:clrMapOvr>
+    <a:masterClrMapping/>
+  </p:clrMapOvr>
+</p:sld>
+</file>
+
 <file path=ppt/slides/slide2.xml><?xml version="1.0" encoding="utf-8"?>
 <p:sld xmlns:a="http://schemas.openxmlformats.org/drawingml/2006/main" xmlns:r="http://schemas.openxmlformats.org/officeDocument/2006/relationships" xmlns:p="http://schemas.openxmlformats.org/presentationml/2006/main">
   <p:cSld>
@@ -8801,8 +9781,8 @@
         </p:nvSpPr>
         <p:spPr>
           <a:xfrm>
-            <a:off x="3490159" y="3075057"/>
-            <a:ext cx="5211683" cy="707886"/>
+            <a:off x="3565500" y="2767281"/>
+            <a:ext cx="5061001" cy="1323439"/>
           </a:xfrm>
           <a:prstGeom prst="rect">
             <a:avLst/>
@@ -8822,6 +9802,7 @@
           </a:bodyPr>
           <a:lstStyle/>
           <a:p>
+            <a:pPr algn="ctr"/>
             <a:r>
               <a:rPr lang="ko-KR" altLang="en-US" sz="4000" dirty="0">
                 <a:solidFill>
@@ -8842,13 +9823,19 @@
               </a:rPr>
               <a:t>-Part1.ch01-01</a:t>
             </a:r>
-            <a:endParaRPr lang="ko-KR" altLang="en-US" sz="4000" dirty="0">
-              <a:solidFill>
-                <a:schemeClr val="bg1"/>
-              </a:solidFill>
-              <a:latin typeface="에스코어 드림 6 Bold" panose="020B0703030302020204" pitchFamily="34" charset="-127"/>
-              <a:ea typeface="에스코어 드림 6 Bold" panose="020B0703030302020204" pitchFamily="34" charset="-127"/>
-            </a:endParaRPr>
+          </a:p>
+          <a:p>
+            <a:pPr algn="ctr"/>
+            <a:r>
+              <a:rPr lang="ko-KR" altLang="en-US" sz="4000" dirty="0">
+                <a:solidFill>
+                  <a:schemeClr val="bg1"/>
+                </a:solidFill>
+                <a:latin typeface="에스코어 드림 6 Bold" panose="020B0703030302020204" pitchFamily="34" charset="-127"/>
+                <a:ea typeface="에스코어 드림 6 Bold" panose="020B0703030302020204" pitchFamily="34" charset="-127"/>
+              </a:rPr>
+              <a:t>오라클 설치</a:t>
+            </a:r>
           </a:p>
         </p:txBody>
       </p:sp>
@@ -8873,7 +9860,7 @@
         <p:cNvPr id="1" name="">
           <a:extLst>
             <a:ext uri="{FF2B5EF4-FFF2-40B4-BE49-F238E27FC236}">
-              <a16:creationId xmlns:a16="http://schemas.microsoft.com/office/drawing/2014/main" id="{69BED6D6-9A9E-C7C2-0B5D-3314A62858BE}"/>
+              <a16:creationId xmlns:a16="http://schemas.microsoft.com/office/drawing/2014/main" id="{156652D0-FC7F-FEF4-3CC0-8639493A2019}"/>
             </a:ext>
           </a:extLst>
         </p:cNvPr>
@@ -8893,7 +9880,7 @@
           <p:cNvPr id="5" name="TextBox 4">
             <a:extLst>
               <a:ext uri="{FF2B5EF4-FFF2-40B4-BE49-F238E27FC236}">
-                <a16:creationId xmlns:a16="http://schemas.microsoft.com/office/drawing/2014/main" id="{39248A8D-31D2-A932-589D-21A7DEFFE5A8}"/>
+                <a16:creationId xmlns:a16="http://schemas.microsoft.com/office/drawing/2014/main" id="{712970D0-D6A2-84CF-06C3-397957A043E2}"/>
               </a:ext>
             </a:extLst>
           </p:cNvPr>
@@ -8902,8 +9889,8 @@
         </p:nvSpPr>
         <p:spPr>
           <a:xfrm>
-            <a:off x="4714051" y="3075057"/>
-            <a:ext cx="2763898" cy="707886"/>
+            <a:off x="231933" y="173854"/>
+            <a:ext cx="2379177" cy="646331"/>
           </a:xfrm>
           <a:prstGeom prst="rect">
             <a:avLst/>
@@ -8923,6 +9910,172 @@
           </a:bodyPr>
           <a:lstStyle/>
           <a:p>
+            <a:pPr algn="ctr"/>
+            <a:r>
+              <a:rPr lang="ko-KR" altLang="en-US" dirty="0">
+                <a:solidFill>
+                  <a:schemeClr val="bg1"/>
+                </a:solidFill>
+                <a:latin typeface="에스코어 드림 6 Bold" panose="020B0703030302020204" pitchFamily="34" charset="-127"/>
+                <a:ea typeface="에스코어 드림 6 Bold" panose="020B0703030302020204" pitchFamily="34" charset="-127"/>
+              </a:rPr>
+              <a:t>부록</a:t>
+            </a:r>
+            <a:r>
+              <a:rPr lang="en-US" altLang="ko-KR" dirty="0">
+                <a:solidFill>
+                  <a:schemeClr val="bg1"/>
+                </a:solidFill>
+                <a:latin typeface="에스코어 드림 6 Bold" panose="020B0703030302020204" pitchFamily="34" charset="-127"/>
+                <a:ea typeface="에스코어 드림 6 Bold" panose="020B0703030302020204" pitchFamily="34" charset="-127"/>
+              </a:rPr>
+              <a:t>-Part1.ch01-01</a:t>
+            </a:r>
+          </a:p>
+          <a:p>
+            <a:pPr algn="ctr"/>
+            <a:r>
+              <a:rPr lang="ko-KR" altLang="en-US" dirty="0">
+                <a:solidFill>
+                  <a:schemeClr val="bg1"/>
+                </a:solidFill>
+                <a:latin typeface="에스코어 드림 6 Bold" panose="020B0703030302020204" pitchFamily="34" charset="-127"/>
+                <a:ea typeface="에스코어 드림 6 Bold" panose="020B0703030302020204" pitchFamily="34" charset="-127"/>
+              </a:rPr>
+              <a:t>오라클 설치</a:t>
+            </a:r>
+          </a:p>
+        </p:txBody>
+      </p:sp>
+      <p:sp>
+        <p:nvSpPr>
+          <p:cNvPr id="2" name="TextBox 1">
+            <a:extLst>
+              <a:ext uri="{FF2B5EF4-FFF2-40B4-BE49-F238E27FC236}">
+                <a16:creationId xmlns:a16="http://schemas.microsoft.com/office/drawing/2014/main" id="{B5CF05BF-5E6E-EF68-1EA2-1DA507F9DEB7}"/>
+              </a:ext>
+            </a:extLst>
+          </p:cNvPr>
+          <p:cNvSpPr txBox="1"/>
+          <p:nvPr/>
+        </p:nvSpPr>
+        <p:spPr>
+          <a:xfrm>
+            <a:off x="449317" y="1253359"/>
+            <a:ext cx="3743332" cy="646331"/>
+          </a:xfrm>
+          <a:prstGeom prst="rect">
+            <a:avLst/>
+          </a:prstGeom>
+          <a:noFill/>
+          <a:ln>
+            <a:solidFill>
+              <a:schemeClr val="tx1"/>
+            </a:solidFill>
+          </a:ln>
+        </p:spPr>
+        <p:txBody>
+          <a:bodyPr wrap="none" rtlCol="0">
+            <a:spAutoFit/>
+          </a:bodyPr>
+          <a:lstStyle/>
+          <a:p>
+            <a:r>
+              <a:rPr lang="en-US" altLang="ko-KR" dirty="0"/>
+              <a:t>&lt;</a:t>
+            </a:r>
+            <a:r>
+              <a:rPr lang="ko-KR" altLang="en-US" dirty="0"/>
+              <a:t>진행목록</a:t>
+            </a:r>
+            <a:r>
+              <a:rPr lang="en-US" altLang="ko-KR" dirty="0"/>
+              <a:t>&gt;</a:t>
+            </a:r>
+          </a:p>
+          <a:p>
+            <a:pPr marL="342900" indent="-342900">
+              <a:buAutoNum type="arabicPeriod"/>
+            </a:pPr>
+            <a:r>
+              <a:rPr lang="ko-KR" altLang="en-US" dirty="0"/>
+              <a:t>오라클 설치 및 설치시 주의사항 </a:t>
+            </a:r>
+          </a:p>
+        </p:txBody>
+      </p:sp>
+    </p:spTree>
+    <p:extLst>
+      <p:ext uri="{BB962C8B-B14F-4D97-AF65-F5344CB8AC3E}">
+        <p14:creationId xmlns:p14="http://schemas.microsoft.com/office/powerpoint/2010/main" val="1746309573"/>
+      </p:ext>
+    </p:extLst>
+  </p:cSld>
+  <p:clrMapOvr>
+    <a:masterClrMapping/>
+  </p:clrMapOvr>
+</p:sld>
+</file>
+
+<file path=ppt/slides/slide8.xml><?xml version="1.0" encoding="utf-8"?>
+<p:sld xmlns:a="http://schemas.openxmlformats.org/drawingml/2006/main" xmlns:r="http://schemas.openxmlformats.org/officeDocument/2006/relationships" xmlns:p="http://schemas.openxmlformats.org/presentationml/2006/main">
+  <p:cSld>
+    <p:spTree>
+      <p:nvGrpSpPr>
+        <p:cNvPr id="1" name="">
+          <a:extLst>
+            <a:ext uri="{FF2B5EF4-FFF2-40B4-BE49-F238E27FC236}">
+              <a16:creationId xmlns:a16="http://schemas.microsoft.com/office/drawing/2014/main" id="{48F5AC9E-442C-2460-D428-8BA0B8889A84}"/>
+            </a:ext>
+          </a:extLst>
+        </p:cNvPr>
+        <p:cNvGrpSpPr/>
+        <p:nvPr/>
+      </p:nvGrpSpPr>
+      <p:grpSpPr>
+        <a:xfrm>
+          <a:off x="0" y="0"/>
+          <a:ext cx="0" cy="0"/>
+          <a:chOff x="0" y="0"/>
+          <a:chExt cx="0" cy="0"/>
+        </a:xfrm>
+      </p:grpSpPr>
+      <p:sp>
+        <p:nvSpPr>
+          <p:cNvPr id="5" name="TextBox 4">
+            <a:extLst>
+              <a:ext uri="{FF2B5EF4-FFF2-40B4-BE49-F238E27FC236}">
+                <a16:creationId xmlns:a16="http://schemas.microsoft.com/office/drawing/2014/main" id="{54A3E529-9C6F-3F9F-60C7-6B60BB669C89}"/>
+              </a:ext>
+            </a:extLst>
+          </p:cNvPr>
+          <p:cNvSpPr txBox="1"/>
+          <p:nvPr/>
+        </p:nvSpPr>
+        <p:spPr>
+          <a:xfrm>
+            <a:off x="3565500" y="2767281"/>
+            <a:ext cx="5061001" cy="1323439"/>
+          </a:xfrm>
+          <a:prstGeom prst="rect">
+            <a:avLst/>
+          </a:prstGeom>
+          <a:solidFill>
+            <a:srgbClr val="1C3166"/>
+          </a:solidFill>
+          <a:ln>
+            <a:solidFill>
+              <a:schemeClr val="tx1"/>
+            </a:solidFill>
+          </a:ln>
+        </p:spPr>
+        <p:txBody>
+          <a:bodyPr wrap="none" rtlCol="0">
+            <a:spAutoFit/>
+          </a:bodyPr>
+          <a:lstStyle/>
+          <a:p>
+            <a:pPr algn="ctr"/>
             <a:r>
               <a:rPr lang="ko-KR" altLang="en-US" sz="4000" dirty="0">
                 <a:solidFill>
@@ -8931,7 +10084,7 @@
                 <a:latin typeface="에스코어 드림 6 Bold" panose="020B0703030302020204" pitchFamily="34" charset="-127"/>
                 <a:ea typeface="에스코어 드림 6 Bold" panose="020B0703030302020204" pitchFamily="34" charset="-127"/>
               </a:rPr>
-              <a:t>섹션 </a:t>
+              <a:t>부록</a:t>
             </a:r>
             <a:r>
               <a:rPr lang="en-US" altLang="ko-KR" sz="4000" dirty="0">
@@ -8941,42 +10094,202 @@
                 <a:latin typeface="에스코어 드림 6 Bold" panose="020B0703030302020204" pitchFamily="34" charset="-127"/>
                 <a:ea typeface="에스코어 드림 6 Bold" panose="020B0703030302020204" pitchFamily="34" charset="-127"/>
               </a:rPr>
-              <a:t>1. </a:t>
-            </a:r>
-            <a:r>
-              <a:rPr lang="en-US" altLang="ko-KR" sz="4000">
+              <a:t>-Part1.ch01-02</a:t>
+            </a:r>
+          </a:p>
+          <a:p>
+            <a:pPr algn="ctr"/>
+            <a:r>
+              <a:rPr lang="ko-KR" altLang="en-US" sz="4000" dirty="0">
                 <a:solidFill>
                   <a:schemeClr val="bg1"/>
                 </a:solidFill>
                 <a:latin typeface="에스코어 드림 6 Bold" panose="020B0703030302020204" pitchFamily="34" charset="-127"/>
                 <a:ea typeface="에스코어 드림 6 Bold" panose="020B0703030302020204" pitchFamily="34" charset="-127"/>
               </a:rPr>
-              <a:t>2</a:t>
-            </a:r>
-            <a:r>
-              <a:rPr lang="ko-KR" altLang="en-US" sz="4000">
+              <a:t>오라클 삭제</a:t>
+            </a:r>
+          </a:p>
+        </p:txBody>
+      </p:sp>
+    </p:spTree>
+    <p:extLst>
+      <p:ext uri="{BB962C8B-B14F-4D97-AF65-F5344CB8AC3E}">
+        <p14:creationId xmlns:p14="http://schemas.microsoft.com/office/powerpoint/2010/main" val="3596485122"/>
+      </p:ext>
+    </p:extLst>
+  </p:cSld>
+  <p:clrMapOvr>
+    <a:masterClrMapping/>
+  </p:clrMapOvr>
+</p:sld>
+</file>
+
+<file path=ppt/slides/slide9.xml><?xml version="1.0" encoding="utf-8"?>
+<p:sld xmlns:a="http://schemas.openxmlformats.org/drawingml/2006/main" xmlns:r="http://schemas.openxmlformats.org/officeDocument/2006/relationships" xmlns:p="http://schemas.openxmlformats.org/presentationml/2006/main">
+  <p:cSld>
+    <p:spTree>
+      <p:nvGrpSpPr>
+        <p:cNvPr id="1" name="">
+          <a:extLst>
+            <a:ext uri="{FF2B5EF4-FFF2-40B4-BE49-F238E27FC236}">
+              <a16:creationId xmlns:a16="http://schemas.microsoft.com/office/drawing/2014/main" id="{E1781FFE-57BA-7F11-5984-762D82D55E80}"/>
+            </a:ext>
+          </a:extLst>
+        </p:cNvPr>
+        <p:cNvGrpSpPr/>
+        <p:nvPr/>
+      </p:nvGrpSpPr>
+      <p:grpSpPr>
+        <a:xfrm>
+          <a:off x="0" y="0"/>
+          <a:ext cx="0" cy="0"/>
+          <a:chOff x="0" y="0"/>
+          <a:chExt cx="0" cy="0"/>
+        </a:xfrm>
+      </p:grpSpPr>
+      <p:sp>
+        <p:nvSpPr>
+          <p:cNvPr id="5" name="TextBox 4">
+            <a:extLst>
+              <a:ext uri="{FF2B5EF4-FFF2-40B4-BE49-F238E27FC236}">
+                <a16:creationId xmlns:a16="http://schemas.microsoft.com/office/drawing/2014/main" id="{447C9EB8-92AB-6263-ACB5-0CF9E7763E97}"/>
+              </a:ext>
+            </a:extLst>
+          </p:cNvPr>
+          <p:cNvSpPr txBox="1"/>
+          <p:nvPr/>
+        </p:nvSpPr>
+        <p:spPr>
+          <a:xfrm>
+            <a:off x="145223" y="165971"/>
+            <a:ext cx="2379177" cy="646331"/>
+          </a:xfrm>
+          <a:prstGeom prst="rect">
+            <a:avLst/>
+          </a:prstGeom>
+          <a:solidFill>
+            <a:srgbClr val="1C3166"/>
+          </a:solidFill>
+          <a:ln>
+            <a:solidFill>
+              <a:schemeClr val="tx1"/>
+            </a:solidFill>
+          </a:ln>
+        </p:spPr>
+        <p:txBody>
+          <a:bodyPr wrap="none" rtlCol="0">
+            <a:spAutoFit/>
+          </a:bodyPr>
+          <a:lstStyle/>
+          <a:p>
+            <a:pPr algn="ctr"/>
+            <a:r>
+              <a:rPr lang="ko-KR" altLang="en-US" dirty="0">
                 <a:solidFill>
                   <a:schemeClr val="bg1"/>
                 </a:solidFill>
                 <a:latin typeface="에스코어 드림 6 Bold" panose="020B0703030302020204" pitchFamily="34" charset="-127"/>
                 <a:ea typeface="에스코어 드림 6 Bold" panose="020B0703030302020204" pitchFamily="34" charset="-127"/>
               </a:rPr>
-              <a:t>강</a:t>
-            </a:r>
-            <a:endParaRPr lang="ko-KR" altLang="en-US" sz="4000" dirty="0">
-              <a:solidFill>
-                <a:schemeClr val="bg1"/>
-              </a:solidFill>
-              <a:latin typeface="에스코어 드림 6 Bold" panose="020B0703030302020204" pitchFamily="34" charset="-127"/>
-              <a:ea typeface="에스코어 드림 6 Bold" panose="020B0703030302020204" pitchFamily="34" charset="-127"/>
-            </a:endParaRPr>
+              <a:t>부록</a:t>
+            </a:r>
+            <a:r>
+              <a:rPr lang="en-US" altLang="ko-KR" dirty="0">
+                <a:solidFill>
+                  <a:schemeClr val="bg1"/>
+                </a:solidFill>
+                <a:latin typeface="에스코어 드림 6 Bold" panose="020B0703030302020204" pitchFamily="34" charset="-127"/>
+                <a:ea typeface="에스코어 드림 6 Bold" panose="020B0703030302020204" pitchFamily="34" charset="-127"/>
+              </a:rPr>
+              <a:t>-Part1.ch01-02</a:t>
+            </a:r>
+          </a:p>
+          <a:p>
+            <a:pPr algn="ctr"/>
+            <a:r>
+              <a:rPr lang="ko-KR" altLang="en-US" dirty="0">
+                <a:solidFill>
+                  <a:schemeClr val="bg1"/>
+                </a:solidFill>
+                <a:latin typeface="에스코어 드림 6 Bold" panose="020B0703030302020204" pitchFamily="34" charset="-127"/>
+                <a:ea typeface="에스코어 드림 6 Bold" panose="020B0703030302020204" pitchFamily="34" charset="-127"/>
+              </a:rPr>
+              <a:t>오라클 삭제</a:t>
+            </a:r>
+          </a:p>
+        </p:txBody>
+      </p:sp>
+      <p:sp>
+        <p:nvSpPr>
+          <p:cNvPr id="2" name="TextBox 1">
+            <a:extLst>
+              <a:ext uri="{FF2B5EF4-FFF2-40B4-BE49-F238E27FC236}">
+                <a16:creationId xmlns:a16="http://schemas.microsoft.com/office/drawing/2014/main" id="{FDD6AFC5-E556-7A3A-EACB-6FC326439AE3}"/>
+              </a:ext>
+            </a:extLst>
+          </p:cNvPr>
+          <p:cNvSpPr txBox="1"/>
+          <p:nvPr/>
+        </p:nvSpPr>
+        <p:spPr>
+          <a:xfrm>
+            <a:off x="147848" y="1229710"/>
+            <a:ext cx="4190571" cy="646331"/>
+          </a:xfrm>
+          <a:prstGeom prst="rect">
+            <a:avLst/>
+          </a:prstGeom>
+          <a:noFill/>
+          <a:ln>
+            <a:solidFill>
+              <a:schemeClr val="tx1"/>
+            </a:solidFill>
+          </a:ln>
+        </p:spPr>
+        <p:txBody>
+          <a:bodyPr wrap="none" rtlCol="0">
+            <a:spAutoFit/>
+          </a:bodyPr>
+          <a:lstStyle/>
+          <a:p>
+            <a:r>
+              <a:rPr lang="en-US" altLang="ko-KR" dirty="0"/>
+              <a:t>&lt;</a:t>
+            </a:r>
+            <a:r>
+              <a:rPr lang="ko-KR" altLang="en-US" dirty="0"/>
+              <a:t>진행사항</a:t>
+            </a:r>
+            <a:r>
+              <a:rPr lang="en-US" altLang="ko-KR" dirty="0"/>
+              <a:t>&gt;</a:t>
+            </a:r>
+          </a:p>
+          <a:p>
+            <a:r>
+              <a:rPr lang="en-US" altLang="ko-KR" dirty="0"/>
+              <a:t>1. </a:t>
+            </a:r>
+            <a:r>
+              <a:rPr lang="ko-KR" altLang="en-US" dirty="0"/>
+              <a:t>오라클 설치가 잘못됐을 시</a:t>
+            </a:r>
+            <a:r>
+              <a:rPr lang="en-US" altLang="ko-KR" dirty="0"/>
+              <a:t>, </a:t>
+            </a:r>
+            <a:r>
+              <a:rPr lang="ko-KR" altLang="en-US" dirty="0"/>
+              <a:t>삭제방법 </a:t>
+            </a:r>
           </a:p>
         </p:txBody>
       </p:sp>
     </p:spTree>
     <p:extLst>
       <p:ext uri="{BB962C8B-B14F-4D97-AF65-F5344CB8AC3E}">
-        <p14:creationId xmlns:p14="http://schemas.microsoft.com/office/powerpoint/2010/main" val="3800990940"/>
+        <p14:creationId xmlns:p14="http://schemas.microsoft.com/office/powerpoint/2010/main" val="3750962519"/>
       </p:ext>
     </p:extLst>
   </p:cSld>
